--- a/DEMO SLIDE.pptx
+++ b/DEMO SLIDE.pptx
@@ -16398,7 +16398,7 @@
           <a:blip r:embed="rId2">
             <a:extLst>
               <a:ext uri="{96DAC541-7B7A-43D3-8B79-37D633B846F1}">
-                <asvg:svgBlip xmlns="" xmlns:asvg="http://schemas.microsoft.com/office/drawing/2016/SVG/main" r:embed="rId3"/>
+                <asvg:svgBlip xmlns:asvg="http://schemas.microsoft.com/office/drawing/2016/SVG/main" xmlns="" r:embed="rId3"/>
               </a:ext>
             </a:extLst>
           </a:blip>
@@ -16568,7 +16568,7 @@
         <p:spPr>
           <a:xfrm>
             <a:off x="1616663" y="3930545"/>
-            <a:ext cx="8958674" cy="1323439"/>
+            <a:ext cx="8958674" cy="1938992"/>
           </a:xfrm>
           <a:prstGeom prst="rect">
             <a:avLst/>
@@ -16587,7 +16587,7 @@
                   <a:schemeClr val="bg1"/>
                 </a:solidFill>
               </a:rPr>
-              <a:t>Cung </a:t>
+              <a:t>Do tình hình dịch Covid đang diễn biến vô cùng phức tạp nên việc giúp người dân tiếp cận với thông tin về tình hình dịch bên vô cùng cần thiết. Website mình làm cung </a:t>
             </a:r>
             <a:r>
               <a:rPr lang="vi-VN" sz="2000" smtClean="0">
@@ -16703,7 +16703,7 @@
           <a:blip r:embed="rId4">
             <a:extLst>
               <a:ext uri="{96DAC541-7B7A-43D3-8B79-37D633B846F1}">
-                <asvg:svgBlip xmlns="" xmlns:asvg="http://schemas.microsoft.com/office/drawing/2016/SVG/main" r:embed="rId7"/>
+                <asvg:svgBlip xmlns:asvg="http://schemas.microsoft.com/office/drawing/2016/SVG/main" xmlns="" r:embed="rId7"/>
               </a:ext>
             </a:extLst>
           </a:blip>
@@ -16739,7 +16739,7 @@
     <a:masterClrMapping/>
   </p:clrMapOvr>
   <mc:AlternateContent xmlns:mc="http://schemas.openxmlformats.org/markup-compatibility/2006">
-    <mc:Choice xmlns="" xmlns:p159="http://schemas.microsoft.com/office/powerpoint/2015/09/main" Requires="p159">
+    <mc:Choice xmlns:p159="http://schemas.microsoft.com/office/powerpoint/2015/09/main" xmlns="" Requires="p159">
       <p:transition spd="slow">
         <p159:morph option="byObject"/>
       </p:transition>
@@ -16965,7 +16965,7 @@
           <a:blip r:embed="rId2">
             <a:extLst>
               <a:ext uri="{96DAC541-7B7A-43D3-8B79-37D633B846F1}">
-                <asvg:svgBlip xmlns="" xmlns:asvg="http://schemas.microsoft.com/office/drawing/2016/SVG/main" r:embed="rId3"/>
+                <asvg:svgBlip xmlns:asvg="http://schemas.microsoft.com/office/drawing/2016/SVG/main" xmlns="" r:embed="rId3"/>
               </a:ext>
             </a:extLst>
           </a:blip>
@@ -17146,7 +17146,7 @@
           <a:blip r:embed="rId4">
             <a:extLst>
               <a:ext uri="{96DAC541-7B7A-43D3-8B79-37D633B846F1}">
-                <asvg:svgBlip xmlns="" xmlns:asvg="http://schemas.microsoft.com/office/drawing/2016/SVG/main" r:embed="rId7"/>
+                <asvg:svgBlip xmlns:asvg="http://schemas.microsoft.com/office/drawing/2016/SVG/main" xmlns="" r:embed="rId7"/>
               </a:ext>
             </a:extLst>
           </a:blip>
@@ -17277,39 +17277,7 @@
                   <a:schemeClr val="bg1"/>
                 </a:solidFill>
               </a:rPr>
-              <a:t>Tìm hiểu thông </a:t>
-            </a:r>
-            <a:r>
-              <a:rPr lang="en-US" sz="2000" smtClean="0">
-                <a:solidFill>
-                  <a:schemeClr val="bg1"/>
-                </a:solidFill>
-              </a:rPr>
-              <a:t>tin API: </a:t>
-            </a:r>
-            <a:r>
-              <a:rPr lang="en-US" sz="2000" smtClean="0">
-                <a:solidFill>
-                  <a:schemeClr val="bg1"/>
-                </a:solidFill>
-              </a:rPr>
-              <a:t>lọc ra những</a:t>
-            </a:r>
-            <a:r>
-              <a:rPr lang="en-US" sz="2000" smtClean="0">
-                <a:solidFill>
-                  <a:schemeClr val="bg1"/>
-                </a:solidFill>
-              </a:rPr>
-              <a:t> </a:t>
-            </a:r>
-            <a:r>
-              <a:rPr lang="en-US" sz="2000" smtClean="0">
-                <a:solidFill>
-                  <a:schemeClr val="bg1"/>
-                </a:solidFill>
-              </a:rPr>
-              <a:t>API hữu ích và cách lấy API.</a:t>
+              <a:t>Tìm hiểu thông tin API: lọc ra những API hữu ích và cách lấy API.</a:t>
             </a:r>
           </a:p>
           <a:p>
@@ -17323,15 +17291,7 @@
                   <a:schemeClr val="bg1"/>
                 </a:solidFill>
               </a:rPr>
-              <a:t>Thiết kế </a:t>
-            </a:r>
-            <a:r>
-              <a:rPr lang="en-US" sz="2000" smtClean="0">
-                <a:solidFill>
-                  <a:schemeClr val="bg1"/>
-                </a:solidFill>
-              </a:rPr>
-              <a:t>UI.</a:t>
+              <a:t>Thiết kế UI.</a:t>
             </a:r>
           </a:p>
           <a:p>
@@ -17345,21 +17305,8 @@
                   <a:schemeClr val="bg1"/>
                 </a:solidFill>
               </a:rPr>
-              <a:t>Tiến hành </a:t>
+              <a:t>Tiến hành code.</a:t>
             </a:r>
-            <a:r>
-              <a:rPr lang="en-US" sz="2000" smtClean="0">
-                <a:solidFill>
-                  <a:schemeClr val="bg1"/>
-                </a:solidFill>
-              </a:rPr>
-              <a:t>code.</a:t>
-            </a:r>
-            <a:endParaRPr lang="en-US" sz="2000" smtClean="0">
-              <a:solidFill>
-                <a:schemeClr val="bg1"/>
-              </a:solidFill>
-            </a:endParaRPr>
           </a:p>
           <a:p>
             <a:pPr marL="285750" indent="-285750">
@@ -17402,7 +17349,7 @@
     <a:masterClrMapping/>
   </p:clrMapOvr>
   <mc:AlternateContent xmlns:mc="http://schemas.openxmlformats.org/markup-compatibility/2006">
-    <mc:Choice xmlns="" xmlns:p159="http://schemas.microsoft.com/office/powerpoint/2015/09/main" Requires="p159">
+    <mc:Choice xmlns:p159="http://schemas.microsoft.com/office/powerpoint/2015/09/main" xmlns="" Requires="p159">
       <p:transition spd="slow">
         <p159:morph option="byObject"/>
       </p:transition>
@@ -17636,7 +17583,7 @@
           <a:blip r:embed="rId2">
             <a:extLst>
               <a:ext uri="{96DAC541-7B7A-43D3-8B79-37D633B846F1}">
-                <asvg:svgBlip xmlns="" xmlns:asvg="http://schemas.microsoft.com/office/drawing/2016/SVG/main" r:embed="rId3"/>
+                <asvg:svgBlip xmlns:asvg="http://schemas.microsoft.com/office/drawing/2016/SVG/main" xmlns="" r:embed="rId3"/>
               </a:ext>
             </a:extLst>
           </a:blip>
@@ -17866,8 +17813,8 @@
         </p:nvSpPr>
         <p:spPr>
           <a:xfrm>
-            <a:off x="3741208" y="3796698"/>
-            <a:ext cx="6029092" cy="1815882"/>
+            <a:off x="3741208" y="3562522"/>
+            <a:ext cx="6029092" cy="3046988"/>
           </a:xfrm>
           <a:prstGeom prst="rect">
             <a:avLst/>
@@ -17907,6 +17854,65 @@
               </a:rPr>
               <a:t>ReactJS</a:t>
             </a:r>
+          </a:p>
+          <a:p>
+            <a:endParaRPr lang="en-US" sz="2000" spc="300" smtClean="0">
+              <a:solidFill>
+                <a:schemeClr val="bg1"/>
+              </a:solidFill>
+              <a:latin typeface="Raleway" panose="020B0503030101060003" pitchFamily="34" charset="77"/>
+            </a:endParaRPr>
+          </a:p>
+          <a:p>
+            <a:pPr marL="171450" indent="-171450">
+              <a:buFontTx/>
+              <a:buChar char="-"/>
+            </a:pPr>
+            <a:r>
+              <a:rPr lang="en-US" sz="2000" spc="300" smtClean="0">
+                <a:solidFill>
+                  <a:schemeClr val="bg1"/>
+                </a:solidFill>
+                <a:latin typeface="Raleway" panose="020B0503030101060003" pitchFamily="34" charset="77"/>
+              </a:rPr>
+              <a:t>Axios</a:t>
+            </a:r>
+          </a:p>
+          <a:p>
+            <a:pPr marL="171450" indent="-171450">
+              <a:buFontTx/>
+              <a:buChar char="-"/>
+            </a:pPr>
+            <a:r>
+              <a:rPr lang="en-US" sz="2000" spc="300" smtClean="0">
+                <a:solidFill>
+                  <a:schemeClr val="bg1"/>
+                </a:solidFill>
+                <a:latin typeface="Raleway" panose="020B0503030101060003" pitchFamily="34" charset="77"/>
+              </a:rPr>
+              <a:t>moment</a:t>
+            </a:r>
+          </a:p>
+          <a:p>
+            <a:pPr marL="171450" indent="-171450">
+              <a:buFontTx/>
+              <a:buChar char="-"/>
+            </a:pPr>
+            <a:r>
+              <a:rPr lang="en-US" sz="2000" spc="300" smtClean="0">
+                <a:solidFill>
+                  <a:schemeClr val="bg1"/>
+                </a:solidFill>
+                <a:latin typeface="Raleway" panose="020B0503030101060003" pitchFamily="34" charset="77"/>
+              </a:rPr>
+              <a:t>React-router-dom</a:t>
+            </a:r>
+            <a:endParaRPr lang="en-US" sz="2000" spc="300" smtClean="0">
+              <a:solidFill>
+                <a:schemeClr val="bg1"/>
+              </a:solidFill>
+              <a:latin typeface="Raleway" panose="020B0503030101060003" pitchFamily="34" charset="77"/>
+            </a:endParaRPr>
           </a:p>
           <a:p>
             <a:pPr marL="171450" indent="-171450">
@@ -17985,7 +17991,7 @@
           <a:blip r:embed="rId4">
             <a:extLst>
               <a:ext uri="{96DAC541-7B7A-43D3-8B79-37D633B846F1}">
-                <asvg:svgBlip xmlns="" xmlns:asvg="http://schemas.microsoft.com/office/drawing/2016/SVG/main" r:embed="rId7"/>
+                <asvg:svgBlip xmlns:asvg="http://schemas.microsoft.com/office/drawing/2016/SVG/main" xmlns="" r:embed="rId7"/>
               </a:ext>
             </a:extLst>
           </a:blip>
@@ -18021,7 +18027,7 @@
     <a:masterClrMapping/>
   </p:clrMapOvr>
   <mc:AlternateContent xmlns:mc="http://schemas.openxmlformats.org/markup-compatibility/2006">
-    <mc:Choice xmlns="" xmlns:p159="http://schemas.microsoft.com/office/powerpoint/2015/09/main" Requires="p159">
+    <mc:Choice xmlns:p159="http://schemas.microsoft.com/office/powerpoint/2015/09/main" xmlns="" Requires="p159">
       <p:transition spd="slow">
         <p159:morph option="byObject"/>
       </p:transition>
@@ -18325,7 +18331,7 @@
           <a:blip r:embed="rId2">
             <a:extLst>
               <a:ext uri="{96DAC541-7B7A-43D3-8B79-37D633B846F1}">
-                <asvg:svgBlip xmlns="" xmlns:asvg="http://schemas.microsoft.com/office/drawing/2016/SVG/main" r:embed="rId3"/>
+                <asvg:svgBlip xmlns:asvg="http://schemas.microsoft.com/office/drawing/2016/SVG/main" xmlns="" r:embed="rId3"/>
               </a:ext>
             </a:extLst>
           </a:blip>
@@ -18449,7 +18455,7 @@
         </p:nvSpPr>
         <p:spPr>
           <a:xfrm rot="20322550">
-            <a:off x="2891879" y="-462708"/>
+            <a:off x="2891879" y="-876308"/>
             <a:ext cx="3095840" cy="3106380"/>
           </a:xfrm>
           <a:custGeom>
@@ -20293,7 +20299,7 @@
           <a:blip r:embed="rId5">
             <a:extLst>
               <a:ext uri="{96DAC541-7B7A-43D3-8B79-37D633B846F1}">
-                <asvg:svgBlip xmlns="" xmlns:asvg="http://schemas.microsoft.com/office/drawing/2016/SVG/main" r:embed="rId7"/>
+                <asvg:svgBlip xmlns:asvg="http://schemas.microsoft.com/office/drawing/2016/SVG/main" xmlns="" r:embed="rId7"/>
               </a:ext>
             </a:extLst>
           </a:blip>
@@ -20303,7 +20309,7 @@
         </p:blipFill>
         <p:spPr>
           <a:xfrm>
-            <a:off x="5133277" y="518181"/>
+            <a:off x="5362565" y="676882"/>
             <a:ext cx="1765962" cy="1765962"/>
           </a:xfrm>
           <a:prstGeom prst="rect">
@@ -20329,7 +20335,7 @@
     <a:masterClrMapping/>
   </p:clrMapOvr>
   <mc:AlternateContent xmlns:mc="http://schemas.openxmlformats.org/markup-compatibility/2006">
-    <mc:Choice xmlns="" xmlns:p159="http://schemas.microsoft.com/office/powerpoint/2015/09/main" Requires="p159">
+    <mc:Choice xmlns:p159="http://schemas.microsoft.com/office/powerpoint/2015/09/main" xmlns="" Requires="p159">
       <p:transition spd="slow">
         <p159:morph option="byObject"/>
       </p:transition>
